--- a/files/code-rrt/Personnel.pptx
+++ b/files/code-rrt/Personnel.pptx
@@ -204,7 +204,7 @@
           <a:p>
             <a:fld id="{C49DFA1F-239A-4B46-B64B-DC67917379E4}" type="datetimeFigureOut">
               <a:rPr lang="en-US" smtClean="0"/>
-              <a:t>5/16/24</a:t>
+              <a:t>5/23/24</a:t>
             </a:fld>
             <a:endParaRPr lang="en-US"/>
           </a:p>
@@ -860,6 +860,15 @@
           <a:p>
             <a:endParaRPr lang="en-US" dirty="0"/>
           </a:p>
+          <a:p>
+            <a:endParaRPr lang="en-US" dirty="0"/>
+          </a:p>
+          <a:p>
+            <a:r>
+              <a:rPr lang="en-US" dirty="0"/>
+              <a:t>Note: the beds at the VA don’t just drop to the floor. </a:t>
+            </a:r>
+          </a:p>
         </p:txBody>
       </p:sp>
       <p:sp>
@@ -1408,7 +1417,7 @@
           <a:p>
             <a:fld id="{A59815BD-0282-1E42-AB47-F7881AF97D5D}" type="datetimeFigureOut">
               <a:rPr lang="en-US" smtClean="0"/>
-              <a:t>5/16/24</a:t>
+              <a:t>5/23/24</a:t>
             </a:fld>
             <a:endParaRPr lang="en-US"/>
           </a:p>
@@ -1606,7 +1615,7 @@
           <a:p>
             <a:fld id="{A59815BD-0282-1E42-AB47-F7881AF97D5D}" type="datetimeFigureOut">
               <a:rPr lang="en-US" smtClean="0"/>
-              <a:t>5/16/24</a:t>
+              <a:t>5/23/24</a:t>
             </a:fld>
             <a:endParaRPr lang="en-US"/>
           </a:p>
@@ -1814,7 +1823,7 @@
           <a:p>
             <a:fld id="{A59815BD-0282-1E42-AB47-F7881AF97D5D}" type="datetimeFigureOut">
               <a:rPr lang="en-US" smtClean="0"/>
-              <a:t>5/16/24</a:t>
+              <a:t>5/23/24</a:t>
             </a:fld>
             <a:endParaRPr lang="en-US"/>
           </a:p>
@@ -2012,7 +2021,7 @@
           <a:p>
             <a:fld id="{A59815BD-0282-1E42-AB47-F7881AF97D5D}" type="datetimeFigureOut">
               <a:rPr lang="en-US" smtClean="0"/>
-              <a:t>5/16/24</a:t>
+              <a:t>5/23/24</a:t>
             </a:fld>
             <a:endParaRPr lang="en-US"/>
           </a:p>
@@ -2287,7 +2296,7 @@
           <a:p>
             <a:fld id="{A59815BD-0282-1E42-AB47-F7881AF97D5D}" type="datetimeFigureOut">
               <a:rPr lang="en-US" smtClean="0"/>
-              <a:t>5/16/24</a:t>
+              <a:t>5/23/24</a:t>
             </a:fld>
             <a:endParaRPr lang="en-US"/>
           </a:p>
@@ -2552,7 +2561,7 @@
           <a:p>
             <a:fld id="{A59815BD-0282-1E42-AB47-F7881AF97D5D}" type="datetimeFigureOut">
               <a:rPr lang="en-US" smtClean="0"/>
-              <a:t>5/16/24</a:t>
+              <a:t>5/23/24</a:t>
             </a:fld>
             <a:endParaRPr lang="en-US"/>
           </a:p>
@@ -2964,7 +2973,7 @@
           <a:p>
             <a:fld id="{A59815BD-0282-1E42-AB47-F7881AF97D5D}" type="datetimeFigureOut">
               <a:rPr lang="en-US" smtClean="0"/>
-              <a:t>5/16/24</a:t>
+              <a:t>5/23/24</a:t>
             </a:fld>
             <a:endParaRPr lang="en-US"/>
           </a:p>
@@ -3105,7 +3114,7 @@
           <a:p>
             <a:fld id="{A59815BD-0282-1E42-AB47-F7881AF97D5D}" type="datetimeFigureOut">
               <a:rPr lang="en-US" smtClean="0"/>
-              <a:t>5/16/24</a:t>
+              <a:t>5/23/24</a:t>
             </a:fld>
             <a:endParaRPr lang="en-US"/>
           </a:p>
@@ -3218,7 +3227,7 @@
           <a:p>
             <a:fld id="{A59815BD-0282-1E42-AB47-F7881AF97D5D}" type="datetimeFigureOut">
               <a:rPr lang="en-US" smtClean="0"/>
-              <a:t>5/16/24</a:t>
+              <a:t>5/23/24</a:t>
             </a:fld>
             <a:endParaRPr lang="en-US"/>
           </a:p>
@@ -3529,7 +3538,7 @@
           <a:p>
             <a:fld id="{A59815BD-0282-1E42-AB47-F7881AF97D5D}" type="datetimeFigureOut">
               <a:rPr lang="en-US" smtClean="0"/>
-              <a:t>5/16/24</a:t>
+              <a:t>5/23/24</a:t>
             </a:fld>
             <a:endParaRPr lang="en-US"/>
           </a:p>
@@ -3817,7 +3826,7 @@
           <a:p>
             <a:fld id="{A59815BD-0282-1E42-AB47-F7881AF97D5D}" type="datetimeFigureOut">
               <a:rPr lang="en-US" smtClean="0"/>
-              <a:t>5/16/24</a:t>
+              <a:t>5/23/24</a:t>
             </a:fld>
             <a:endParaRPr lang="en-US"/>
           </a:p>
@@ -4058,7 +4067,7 @@
           <a:p>
             <a:fld id="{A59815BD-0282-1E42-AB47-F7881AF97D5D}" type="datetimeFigureOut">
               <a:rPr lang="en-US" smtClean="0"/>
-              <a:t>5/16/24</a:t>
+              <a:t>5/23/24</a:t>
             </a:fld>
             <a:endParaRPr lang="en-US"/>
           </a:p>
@@ -4947,14 +4956,14 @@
             <p:ph idx="1"/>
             <p:extLst>
               <p:ext uri="{D42A27DB-BD31-4B8C-83A1-F6EECF244321}">
-                <p14:modId xmlns:p14="http://schemas.microsoft.com/office/powerpoint/2010/main" val="4147274920"/>
+                <p14:modId xmlns:p14="http://schemas.microsoft.com/office/powerpoint/2010/main" val="1657451184"/>
               </p:ext>
             </p:extLst>
           </p:nvPr>
         </p:nvGraphicFramePr>
         <p:xfrm>
-          <a:off x="838200" y="1825625"/>
-          <a:ext cx="10065328" cy="4297680"/>
+          <a:off x="838199" y="1825625"/>
+          <a:ext cx="10515600" cy="4389120"/>
         </p:xfrm>
         <a:graphic>
           <a:graphicData uri="http://schemas.openxmlformats.org/drawingml/2006/table">
@@ -4963,35 +4972,236 @@
                 <a:tableStyleId>{5940675A-B579-460E-94D1-54222C63F5DA}</a:tableStyleId>
               </a:tblPr>
               <a:tblGrid>
-                <a:gridCol w="2516332">
+                <a:gridCol w="2628900">
                   <a:extLst>
                     <a:ext uri="{9D8B030D-6E8A-4147-A177-3AD203B41FA5}">
                       <a16:colId xmlns:a16="http://schemas.microsoft.com/office/drawing/2014/main" val="2152099548"/>
                     </a:ext>
                   </a:extLst>
                 </a:gridCol>
-                <a:gridCol w="2516332">
+                <a:gridCol w="2628900">
+                  <a:extLst>
+                    <a:ext uri="{9D8B030D-6E8A-4147-A177-3AD203B41FA5}">
+                      <a16:colId xmlns:a16="http://schemas.microsoft.com/office/drawing/2014/main" val="3991161166"/>
+                    </a:ext>
+                  </a:extLst>
+                </a:gridCol>
+                <a:gridCol w="2628900">
                   <a:extLst>
                     <a:ext uri="{9D8B030D-6E8A-4147-A177-3AD203B41FA5}">
                       <a16:colId xmlns:a16="http://schemas.microsoft.com/office/drawing/2014/main" val="2280258438"/>
                     </a:ext>
                   </a:extLst>
                 </a:gridCol>
-                <a:gridCol w="2516332">
+                <a:gridCol w="2628900">
                   <a:extLst>
                     <a:ext uri="{9D8B030D-6E8A-4147-A177-3AD203B41FA5}">
                       <a16:colId xmlns:a16="http://schemas.microsoft.com/office/drawing/2014/main" val="3350022313"/>
                     </a:ext>
                   </a:extLst>
                 </a:gridCol>
-                <a:gridCol w="2516332">
-                  <a:extLst>
-                    <a:ext uri="{9D8B030D-6E8A-4147-A177-3AD203B41FA5}">
-                      <a16:colId xmlns:a16="http://schemas.microsoft.com/office/drawing/2014/main" val="2067229847"/>
-                    </a:ext>
-                  </a:extLst>
-                </a:gridCol>
               </a:tblGrid>
+              <a:tr h="370840">
+                <a:tc gridSpan="2">
+                  <a:txBody>
+                    <a:bodyPr/>
+                    <a:lstStyle/>
+                    <a:p>
+                      <a:pPr algn="ctr"/>
+                      <a:r>
+                        <a:rPr lang="en-US" sz="2400" b="1" dirty="0">
+                          <a:latin typeface="Calibri" panose="020F0502020204030204" pitchFamily="34" charset="0"/>
+                          <a:cs typeface="Calibri" panose="020F0502020204030204" pitchFamily="34" charset="0"/>
+                        </a:rPr>
+                        <a:t>Rapid Responses</a:t>
+                      </a:r>
+                    </a:p>
+                  </a:txBody>
+                  <a:tcPr>
+                    <a:lnL w="12700" cap="flat" cmpd="sng" algn="ctr">
+                      <a:solidFill>
+                        <a:schemeClr val="tx1"/>
+                      </a:solidFill>
+                      <a:prstDash val="solid"/>
+                      <a:round/>
+                      <a:headEnd type="none" w="med" len="med"/>
+                      <a:tailEnd type="none" w="med" len="med"/>
+                    </a:lnL>
+                    <a:lnR w="12700" cap="flat" cmpd="sng" algn="ctr">
+                      <a:solidFill>
+                        <a:schemeClr val="tx1"/>
+                      </a:solidFill>
+                      <a:prstDash val="solid"/>
+                      <a:round/>
+                      <a:headEnd type="none" w="med" len="med"/>
+                      <a:tailEnd type="none" w="med" len="med"/>
+                    </a:lnR>
+                    <a:lnT w="12700" cap="flat" cmpd="sng" algn="ctr">
+                      <a:solidFill>
+                        <a:schemeClr val="tx1"/>
+                      </a:solidFill>
+                      <a:prstDash val="solid"/>
+                      <a:round/>
+                      <a:headEnd type="none" w="med" len="med"/>
+                      <a:tailEnd type="none" w="med" len="med"/>
+                    </a:lnT>
+                    <a:lnB w="12700" cap="flat" cmpd="sng" algn="ctr">
+                      <a:solidFill>
+                        <a:schemeClr val="tx1"/>
+                      </a:solidFill>
+                      <a:prstDash val="solid"/>
+                      <a:round/>
+                      <a:headEnd type="none" w="med" len="med"/>
+                      <a:tailEnd type="none" w="med" len="med"/>
+                    </a:lnB>
+                    <a:lnTlToBr w="12700" cmpd="sng">
+                      <a:noFill/>
+                      <a:prstDash val="solid"/>
+                    </a:lnTlToBr>
+                    <a:lnBlToTr w="12700" cmpd="sng">
+                      <a:noFill/>
+                      <a:prstDash val="solid"/>
+                    </a:lnBlToTr>
+                  </a:tcPr>
+                </a:tc>
+                <a:tc hMerge="1">
+                  <a:txBody>
+                    <a:bodyPr/>
+                    <a:lstStyle/>
+                    <a:p>
+                      <a:pPr marL="0" marR="0" lvl="0" indent="0" algn="l" defTabSz="914400" rtl="0" eaLnBrk="1" fontAlgn="auto" latinLnBrk="0" hangingPunct="1">
+                        <a:lnSpc>
+                          <a:spcPct val="100000"/>
+                        </a:lnSpc>
+                        <a:spcBef>
+                          <a:spcPts val="0"/>
+                        </a:spcBef>
+                        <a:spcAft>
+                          <a:spcPts val="0"/>
+                        </a:spcAft>
+                        <a:buClrTx/>
+                        <a:buSzTx/>
+                        <a:buFontTx/>
+                        <a:buNone/>
+                        <a:tabLst/>
+                        <a:defRPr/>
+                      </a:pPr>
+                      <a:endParaRPr lang="en-US" sz="2400" dirty="0">
+                        <a:latin typeface="Calibri" panose="020F0502020204030204" pitchFamily="34" charset="0"/>
+                        <a:cs typeface="Calibri" panose="020F0502020204030204" pitchFamily="34" charset="0"/>
+                      </a:endParaRPr>
+                    </a:p>
+                  </a:txBody>
+                  <a:tcPr>
+                    <a:lnL w="12700" cap="flat" cmpd="sng" algn="ctr">
+                      <a:solidFill>
+                        <a:schemeClr val="tx1"/>
+                      </a:solidFill>
+                      <a:prstDash val="solid"/>
+                      <a:round/>
+                      <a:headEnd type="none" w="med" len="med"/>
+                      <a:tailEnd type="none" w="med" len="med"/>
+                    </a:lnL>
+                    <a:lnR w="12700" cap="flat" cmpd="sng" algn="ctr">
+                      <a:solidFill>
+                        <a:schemeClr val="tx1"/>
+                      </a:solidFill>
+                      <a:prstDash val="solid"/>
+                      <a:round/>
+                      <a:headEnd type="none" w="med" len="med"/>
+                      <a:tailEnd type="none" w="med" len="med"/>
+                    </a:lnR>
+                    <a:lnT w="12700" cap="flat" cmpd="sng" algn="ctr">
+                      <a:solidFill>
+                        <a:schemeClr val="tx1"/>
+                      </a:solidFill>
+                      <a:prstDash val="solid"/>
+                      <a:round/>
+                      <a:headEnd type="none" w="med" len="med"/>
+                      <a:tailEnd type="none" w="med" len="med"/>
+                    </a:lnT>
+                    <a:lnB w="12700" cap="flat" cmpd="sng" algn="ctr">
+                      <a:solidFill>
+                        <a:schemeClr val="tx1"/>
+                      </a:solidFill>
+                      <a:prstDash val="solid"/>
+                      <a:round/>
+                      <a:headEnd type="none" w="med" len="med"/>
+                      <a:tailEnd type="none" w="med" len="med"/>
+                    </a:lnB>
+                    <a:lnTlToBr w="12700" cmpd="sng">
+                      <a:noFill/>
+                      <a:prstDash val="solid"/>
+                    </a:lnTlToBr>
+                    <a:lnBlToTr w="12700" cmpd="sng">
+                      <a:noFill/>
+                      <a:prstDash val="solid"/>
+                    </a:lnBlToTr>
+                  </a:tcPr>
+                </a:tc>
+                <a:tc gridSpan="2">
+                  <a:txBody>
+                    <a:bodyPr/>
+                    <a:lstStyle/>
+                    <a:p>
+                      <a:pPr algn="ctr"/>
+                      <a:r>
+                        <a:rPr lang="en-US" sz="2400" b="1" dirty="0">
+                          <a:latin typeface="Calibri" panose="020F0502020204030204" pitchFamily="34" charset="0"/>
+                          <a:cs typeface="Calibri" panose="020F0502020204030204" pitchFamily="34" charset="0"/>
+                        </a:rPr>
+                        <a:t>Code Blues</a:t>
+                      </a:r>
+                    </a:p>
+                  </a:txBody>
+                  <a:tcPr>
+                    <a:lnL w="12700" cap="flat" cmpd="sng" algn="ctr">
+                      <a:solidFill>
+                        <a:schemeClr val="tx1"/>
+                      </a:solidFill>
+                      <a:prstDash val="solid"/>
+                      <a:round/>
+                      <a:headEnd type="none" w="med" len="med"/>
+                      <a:tailEnd type="none" w="med" len="med"/>
+                    </a:lnL>
+                  </a:tcPr>
+                </a:tc>
+                <a:tc hMerge="1">
+                  <a:txBody>
+                    <a:bodyPr/>
+                    <a:lstStyle/>
+                    <a:p>
+                      <a:pPr marL="0" marR="0" lvl="0" indent="0" algn="l" defTabSz="914400" rtl="0" eaLnBrk="1" fontAlgn="auto" latinLnBrk="0" hangingPunct="1">
+                        <a:lnSpc>
+                          <a:spcPct val="100000"/>
+                        </a:lnSpc>
+                        <a:spcBef>
+                          <a:spcPts val="0"/>
+                        </a:spcBef>
+                        <a:spcAft>
+                          <a:spcPts val="0"/>
+                        </a:spcAft>
+                        <a:buClrTx/>
+                        <a:buSzTx/>
+                        <a:buFontTx/>
+                        <a:buNone/>
+                        <a:tabLst/>
+                        <a:defRPr/>
+                      </a:pPr>
+                      <a:endParaRPr lang="en-US" sz="2400" dirty="0">
+                        <a:latin typeface="Calibri" panose="020F0502020204030204" pitchFamily="34" charset="0"/>
+                        <a:cs typeface="Calibri" panose="020F0502020204030204" pitchFamily="34" charset="0"/>
+                      </a:endParaRPr>
+                    </a:p>
+                  </a:txBody>
+                  <a:tcPr/>
+                </a:tc>
+                <a:extLst>
+                  <a:ext uri="{0D108BD9-81ED-4DB2-BD59-A6C34878D82A}">
+                    <a16:rowId xmlns:a16="http://schemas.microsoft.com/office/drawing/2014/main" val="1261765460"/>
+                  </a:ext>
+                </a:extLst>
+              </a:tr>
               <a:tr h="370840">
                 <a:tc>
                   <a:txBody>
@@ -5007,7 +5217,130 @@
                       </a:r>
                     </a:p>
                   </a:txBody>
-                  <a:tcPr/>
+                  <a:tcPr>
+                    <a:lnL w="12700" cap="flat" cmpd="sng" algn="ctr">
+                      <a:solidFill>
+                        <a:schemeClr val="tx1"/>
+                      </a:solidFill>
+                      <a:prstDash val="solid"/>
+                      <a:round/>
+                      <a:headEnd type="none" w="med" len="med"/>
+                      <a:tailEnd type="none" w="med" len="med"/>
+                    </a:lnL>
+                    <a:lnR w="12700" cap="flat" cmpd="sng" algn="ctr">
+                      <a:solidFill>
+                        <a:schemeClr val="tx1"/>
+                      </a:solidFill>
+                      <a:prstDash val="solid"/>
+                      <a:round/>
+                      <a:headEnd type="none" w="med" len="med"/>
+                      <a:tailEnd type="none" w="med" len="med"/>
+                    </a:lnR>
+                    <a:lnT w="12700" cap="flat" cmpd="sng" algn="ctr">
+                      <a:solidFill>
+                        <a:schemeClr val="tx1"/>
+                      </a:solidFill>
+                      <a:prstDash val="solid"/>
+                      <a:round/>
+                      <a:headEnd type="none" w="med" len="med"/>
+                      <a:tailEnd type="none" w="med" len="med"/>
+                    </a:lnT>
+                    <a:lnB w="12700" cap="flat" cmpd="sng" algn="ctr">
+                      <a:solidFill>
+                        <a:schemeClr val="tx1"/>
+                      </a:solidFill>
+                      <a:prstDash val="solid"/>
+                      <a:round/>
+                      <a:headEnd type="none" w="med" len="med"/>
+                      <a:tailEnd type="none" w="med" len="med"/>
+                    </a:lnB>
+                    <a:lnTlToBr w="12700" cmpd="sng">
+                      <a:noFill/>
+                      <a:prstDash val="solid"/>
+                    </a:lnTlToBr>
+                    <a:lnBlToTr w="12700" cmpd="sng">
+                      <a:noFill/>
+                      <a:prstDash val="solid"/>
+                    </a:lnBlToTr>
+                  </a:tcPr>
+                </a:tc>
+                <a:tc>
+                  <a:txBody>
+                    <a:bodyPr/>
+                    <a:lstStyle/>
+                    <a:p>
+                      <a:pPr marL="0" marR="0" lvl="0" indent="0" algn="l" defTabSz="914400" rtl="0" eaLnBrk="1" fontAlgn="auto" latinLnBrk="0" hangingPunct="1">
+                        <a:lnSpc>
+                          <a:spcPct val="100000"/>
+                        </a:lnSpc>
+                        <a:spcBef>
+                          <a:spcPts val="0"/>
+                        </a:spcBef>
+                        <a:spcAft>
+                          <a:spcPts val="0"/>
+                        </a:spcAft>
+                        <a:buClrTx/>
+                        <a:buSzTx/>
+                        <a:buFontTx/>
+                        <a:buNone/>
+                        <a:tabLst/>
+                        <a:defRPr/>
+                      </a:pPr>
+                      <a:r>
+                        <a:rPr lang="en-US" sz="2400" dirty="0">
+                          <a:latin typeface="Calibri" panose="020F0502020204030204" pitchFamily="34" charset="0"/>
+                          <a:cs typeface="Calibri" panose="020F0502020204030204" pitchFamily="34" charset="0"/>
+                        </a:rPr>
+                        <a:t>Brain Attack</a:t>
+                      </a:r>
+                    </a:p>
+                  </a:txBody>
+                  <a:tcPr>
+                    <a:lnL w="12700" cap="flat" cmpd="sng" algn="ctr">
+                      <a:solidFill>
+                        <a:schemeClr val="tx1"/>
+                      </a:solidFill>
+                      <a:prstDash val="solid"/>
+                      <a:round/>
+                      <a:headEnd type="none" w="med" len="med"/>
+                      <a:tailEnd type="none" w="med" len="med"/>
+                    </a:lnL>
+                    <a:lnR w="12700" cap="flat" cmpd="sng" algn="ctr">
+                      <a:solidFill>
+                        <a:schemeClr val="tx1"/>
+                      </a:solidFill>
+                      <a:prstDash val="solid"/>
+                      <a:round/>
+                      <a:headEnd type="none" w="med" len="med"/>
+                      <a:tailEnd type="none" w="med" len="med"/>
+                    </a:lnR>
+                    <a:lnT w="12700" cap="flat" cmpd="sng" algn="ctr">
+                      <a:solidFill>
+                        <a:schemeClr val="tx1"/>
+                      </a:solidFill>
+                      <a:prstDash val="solid"/>
+                      <a:round/>
+                      <a:headEnd type="none" w="med" len="med"/>
+                      <a:tailEnd type="none" w="med" len="med"/>
+                    </a:lnT>
+                    <a:lnB w="12700" cap="flat" cmpd="sng" algn="ctr">
+                      <a:solidFill>
+                        <a:schemeClr val="tx1"/>
+                      </a:solidFill>
+                      <a:prstDash val="solid"/>
+                      <a:round/>
+                      <a:headEnd type="none" w="med" len="med"/>
+                      <a:tailEnd type="none" w="med" len="med"/>
+                    </a:lnB>
+                    <a:lnTlToBr w="12700" cmpd="sng">
+                      <a:noFill/>
+                      <a:prstDash val="solid"/>
+                    </a:lnTlToBr>
+                    <a:lnBlToTr w="12700" cmpd="sng">
+                      <a:noFill/>
+                      <a:prstDash val="solid"/>
+                    </a:lnBlToTr>
+                  </a:tcPr>
                 </a:tc>
                 <a:tc>
                   <a:txBody>
@@ -5023,7 +5356,17 @@
                       </a:r>
                     </a:p>
                   </a:txBody>
-                  <a:tcPr/>
+                  <a:tcPr>
+                    <a:lnL w="12700" cap="flat" cmpd="sng" algn="ctr">
+                      <a:solidFill>
+                        <a:schemeClr val="tx1"/>
+                      </a:solidFill>
+                      <a:prstDash val="solid"/>
+                      <a:round/>
+                      <a:headEnd type="none" w="med" len="med"/>
+                      <a:tailEnd type="none" w="med" len="med"/>
+                    </a:lnL>
+                  </a:tcPr>
                 </a:tc>
                 <a:tc>
                   <a:txBody>
@@ -5053,39 +5396,6 @@
                           <a:cs typeface="Calibri" panose="020F0502020204030204" pitchFamily="34" charset="0"/>
                         </a:rPr>
                         <a:t>Shock team</a:t>
-                      </a:r>
-                    </a:p>
-                  </a:txBody>
-                  <a:tcPr/>
-                </a:tc>
-                <a:tc>
-                  <a:txBody>
-                    <a:bodyPr/>
-                    <a:lstStyle/>
-                    <a:p>
-                      <a:pPr marL="0" marR="0" lvl="0" indent="0" algn="l" defTabSz="914400" rtl="0" eaLnBrk="1" fontAlgn="auto" latinLnBrk="0" hangingPunct="1">
-                        <a:lnSpc>
-                          <a:spcPct val="100000"/>
-                        </a:lnSpc>
-                        <a:spcBef>
-                          <a:spcPts val="0"/>
-                        </a:spcBef>
-                        <a:spcAft>
-                          <a:spcPts val="0"/>
-                        </a:spcAft>
-                        <a:buClrTx/>
-                        <a:buSzTx/>
-                        <a:buFontTx/>
-                        <a:buNone/>
-                        <a:tabLst/>
-                        <a:defRPr/>
-                      </a:pPr>
-                      <a:r>
-                        <a:rPr lang="en-US" sz="2400" dirty="0">
-                          <a:latin typeface="Calibri" panose="020F0502020204030204" pitchFamily="34" charset="0"/>
-                          <a:cs typeface="Calibri" panose="020F0502020204030204" pitchFamily="34" charset="0"/>
-                        </a:rPr>
-                        <a:t>Brain Attack</a:t>
                       </a:r>
                     </a:p>
                   </a:txBody>
@@ -5129,7 +5439,117 @@
                       </a:r>
                     </a:p>
                   </a:txBody>
-                  <a:tcPr/>
+                  <a:tcPr>
+                    <a:lnL w="12700" cap="flat" cmpd="sng" algn="ctr">
+                      <a:solidFill>
+                        <a:schemeClr val="tx1"/>
+                      </a:solidFill>
+                      <a:prstDash val="solid"/>
+                      <a:round/>
+                      <a:headEnd type="none" w="med" len="med"/>
+                      <a:tailEnd type="none" w="med" len="med"/>
+                    </a:lnL>
+                    <a:lnR w="12700" cap="flat" cmpd="sng" algn="ctr">
+                      <a:solidFill>
+                        <a:schemeClr val="tx1"/>
+                      </a:solidFill>
+                      <a:prstDash val="solid"/>
+                      <a:round/>
+                      <a:headEnd type="none" w="med" len="med"/>
+                      <a:tailEnd type="none" w="med" len="med"/>
+                    </a:lnR>
+                    <a:lnT w="12700" cap="flat" cmpd="sng" algn="ctr">
+                      <a:solidFill>
+                        <a:schemeClr val="tx1"/>
+                      </a:solidFill>
+                      <a:prstDash val="solid"/>
+                      <a:round/>
+                      <a:headEnd type="none" w="med" len="med"/>
+                      <a:tailEnd type="none" w="med" len="med"/>
+                    </a:lnT>
+                    <a:lnB w="12700" cap="flat" cmpd="sng" algn="ctr">
+                      <a:solidFill>
+                        <a:schemeClr val="tx1"/>
+                      </a:solidFill>
+                      <a:prstDash val="solid"/>
+                      <a:round/>
+                      <a:headEnd type="none" w="med" len="med"/>
+                      <a:tailEnd type="none" w="med" len="med"/>
+                    </a:lnB>
+                    <a:lnTlToBr w="12700" cmpd="sng">
+                      <a:noFill/>
+                      <a:prstDash val="solid"/>
+                    </a:lnTlToBr>
+                    <a:lnBlToTr w="12700" cmpd="sng">
+                      <a:noFill/>
+                      <a:prstDash val="solid"/>
+                    </a:lnBlToTr>
+                  </a:tcPr>
+                </a:tc>
+                <a:tc>
+                  <a:txBody>
+                    <a:bodyPr/>
+                    <a:lstStyle/>
+                    <a:p>
+                      <a:pPr marL="342900" indent="-342900">
+                        <a:buFont typeface="Arial" panose="020B0604020202020204" pitchFamily="34" charset="0"/>
+                        <a:buChar char="•"/>
+                      </a:pPr>
+                      <a:r>
+                        <a:rPr lang="en-US" sz="2400" dirty="0">
+                          <a:latin typeface="Calibri" panose="020F0502020204030204" pitchFamily="34" charset="0"/>
+                          <a:cs typeface="Calibri" panose="020F0502020204030204" pitchFamily="34" charset="0"/>
+                        </a:rPr>
+                        <a:t>Focal Deficit</a:t>
+                      </a:r>
+                    </a:p>
+                  </a:txBody>
+                  <a:tcPr>
+                    <a:lnL w="12700" cap="flat" cmpd="sng" algn="ctr">
+                      <a:solidFill>
+                        <a:schemeClr val="tx1"/>
+                      </a:solidFill>
+                      <a:prstDash val="solid"/>
+                      <a:round/>
+                      <a:headEnd type="none" w="med" len="med"/>
+                      <a:tailEnd type="none" w="med" len="med"/>
+                    </a:lnL>
+                    <a:lnR w="12700" cap="flat" cmpd="sng" algn="ctr">
+                      <a:solidFill>
+                        <a:schemeClr val="tx1"/>
+                      </a:solidFill>
+                      <a:prstDash val="solid"/>
+                      <a:round/>
+                      <a:headEnd type="none" w="med" len="med"/>
+                      <a:tailEnd type="none" w="med" len="med"/>
+                    </a:lnR>
+                    <a:lnT w="12700" cap="flat" cmpd="sng" algn="ctr">
+                      <a:solidFill>
+                        <a:schemeClr val="tx1"/>
+                      </a:solidFill>
+                      <a:prstDash val="solid"/>
+                      <a:round/>
+                      <a:headEnd type="none" w="med" len="med"/>
+                      <a:tailEnd type="none" w="med" len="med"/>
+                    </a:lnT>
+                    <a:lnB w="12700" cap="flat" cmpd="sng" algn="ctr">
+                      <a:solidFill>
+                        <a:schemeClr val="tx1"/>
+                      </a:solidFill>
+                      <a:prstDash val="solid"/>
+                      <a:round/>
+                      <a:headEnd type="none" w="med" len="med"/>
+                      <a:tailEnd type="none" w="med" len="med"/>
+                    </a:lnB>
+                    <a:lnTlToBr w="12700" cmpd="sng">
+                      <a:noFill/>
+                      <a:prstDash val="solid"/>
+                    </a:lnTlToBr>
+                    <a:lnBlToTr w="12700" cmpd="sng">
+                      <a:noFill/>
+                      <a:prstDash val="solid"/>
+                    </a:lnBlToTr>
+                  </a:tcPr>
                 </a:tc>
                 <a:tc>
                   <a:txBody>
@@ -5145,7 +5565,17 @@
                       </a:r>
                     </a:p>
                   </a:txBody>
-                  <a:tcPr/>
+                  <a:tcPr>
+                    <a:lnL w="12700" cap="flat" cmpd="sng" algn="ctr">
+                      <a:solidFill>
+                        <a:schemeClr val="tx1"/>
+                      </a:solidFill>
+                      <a:prstDash val="solid"/>
+                      <a:round/>
+                      <a:headEnd type="none" w="med" len="med"/>
+                      <a:tailEnd type="none" w="med" len="med"/>
+                    </a:lnL>
+                  </a:tcPr>
                 </a:tc>
                 <a:tc>
                   <a:txBody>
@@ -5188,26 +5618,6 @@
                           <a:cs typeface="Calibri" panose="020F0502020204030204" pitchFamily="34" charset="0"/>
                         </a:rPr>
                         <a:t>High PE suspicion</a:t>
-                      </a:r>
-                    </a:p>
-                  </a:txBody>
-                  <a:tcPr/>
-                </a:tc>
-                <a:tc>
-                  <a:txBody>
-                    <a:bodyPr/>
-                    <a:lstStyle/>
-                    <a:p>
-                      <a:pPr marL="342900" indent="-342900">
-                        <a:buFont typeface="Arial" panose="020B0604020202020204" pitchFamily="34" charset="0"/>
-                        <a:buChar char="•"/>
-                      </a:pPr>
-                      <a:r>
-                        <a:rPr lang="en-US" sz="2400" dirty="0">
-                          <a:latin typeface="Calibri" panose="020F0502020204030204" pitchFamily="34" charset="0"/>
-                          <a:cs typeface="Calibri" panose="020F0502020204030204" pitchFamily="34" charset="0"/>
-                        </a:rPr>
-                        <a:t>Focal Deficit</a:t>
                       </a:r>
                     </a:p>
                   </a:txBody>
@@ -5261,7 +5671,130 @@
                       </a:endParaRPr>
                     </a:p>
                   </a:txBody>
-                  <a:tcPr/>
+                  <a:tcPr>
+                    <a:lnL w="12700" cap="flat" cmpd="sng" algn="ctr">
+                      <a:solidFill>
+                        <a:schemeClr val="tx1"/>
+                      </a:solidFill>
+                      <a:prstDash val="solid"/>
+                      <a:round/>
+                      <a:headEnd type="none" w="med" len="med"/>
+                      <a:tailEnd type="none" w="med" len="med"/>
+                    </a:lnL>
+                    <a:lnR w="12700" cap="flat" cmpd="sng" algn="ctr">
+                      <a:solidFill>
+                        <a:schemeClr val="tx1"/>
+                      </a:solidFill>
+                      <a:prstDash val="solid"/>
+                      <a:round/>
+                      <a:headEnd type="none" w="med" len="med"/>
+                      <a:tailEnd type="none" w="med" len="med"/>
+                    </a:lnR>
+                    <a:lnT w="12700" cap="flat" cmpd="sng" algn="ctr">
+                      <a:solidFill>
+                        <a:schemeClr val="tx1"/>
+                      </a:solidFill>
+                      <a:prstDash val="solid"/>
+                      <a:round/>
+                      <a:headEnd type="none" w="med" len="med"/>
+                      <a:tailEnd type="none" w="med" len="med"/>
+                    </a:lnT>
+                    <a:lnB w="12700" cap="flat" cmpd="sng" algn="ctr">
+                      <a:solidFill>
+                        <a:schemeClr val="tx1"/>
+                      </a:solidFill>
+                      <a:prstDash val="solid"/>
+                      <a:round/>
+                      <a:headEnd type="none" w="med" len="med"/>
+                      <a:tailEnd type="none" w="med" len="med"/>
+                    </a:lnB>
+                    <a:lnTlToBr w="12700" cmpd="sng">
+                      <a:noFill/>
+                      <a:prstDash val="solid"/>
+                    </a:lnTlToBr>
+                    <a:lnBlToTr w="12700" cmpd="sng">
+                      <a:noFill/>
+                      <a:prstDash val="solid"/>
+                    </a:lnBlToTr>
+                  </a:tcPr>
+                </a:tc>
+                <a:tc>
+                  <a:txBody>
+                    <a:bodyPr/>
+                    <a:lstStyle/>
+                    <a:p>
+                      <a:pPr marL="342900" indent="-342900">
+                        <a:buFont typeface="Arial" panose="020B0604020202020204" pitchFamily="34" charset="0"/>
+                        <a:buChar char="•"/>
+                      </a:pPr>
+                      <a:r>
+                        <a:rPr lang="en-US" sz="2400" dirty="0">
+                          <a:latin typeface="Calibri" panose="020F0502020204030204" pitchFamily="34" charset="0"/>
+                          <a:cs typeface="Calibri" panose="020F0502020204030204" pitchFamily="34" charset="0"/>
+                        </a:rPr>
+                        <a:t>Call brain attack</a:t>
+                      </a:r>
+                    </a:p>
+                    <a:p>
+                      <a:pPr marL="342900" indent="-342900">
+                        <a:buFont typeface="Arial" panose="020B0604020202020204" pitchFamily="34" charset="0"/>
+                        <a:buChar char="•"/>
+                      </a:pPr>
+                      <a:r>
+                        <a:rPr lang="en-US" sz="2400" dirty="0">
+                          <a:latin typeface="Calibri" panose="020F0502020204030204" pitchFamily="34" charset="0"/>
+                          <a:cs typeface="Calibri" panose="020F0502020204030204" pitchFamily="34" charset="0"/>
+                        </a:rPr>
+                        <a:t>Transfer after-hours at VA</a:t>
+                      </a:r>
+                    </a:p>
+                  </a:txBody>
+                  <a:tcPr>
+                    <a:lnL w="12700" cap="flat" cmpd="sng" algn="ctr">
+                      <a:solidFill>
+                        <a:schemeClr val="tx1"/>
+                      </a:solidFill>
+                      <a:prstDash val="solid"/>
+                      <a:round/>
+                      <a:headEnd type="none" w="med" len="med"/>
+                      <a:tailEnd type="none" w="med" len="med"/>
+                    </a:lnL>
+                    <a:lnR w="12700" cap="flat" cmpd="sng" algn="ctr">
+                      <a:solidFill>
+                        <a:schemeClr val="tx1"/>
+                      </a:solidFill>
+                      <a:prstDash val="solid"/>
+                      <a:round/>
+                      <a:headEnd type="none" w="med" len="med"/>
+                      <a:tailEnd type="none" w="med" len="med"/>
+                    </a:lnR>
+                    <a:lnT w="12700" cap="flat" cmpd="sng" algn="ctr">
+                      <a:solidFill>
+                        <a:schemeClr val="tx1"/>
+                      </a:solidFill>
+                      <a:prstDash val="solid"/>
+                      <a:round/>
+                      <a:headEnd type="none" w="med" len="med"/>
+                      <a:tailEnd type="none" w="med" len="med"/>
+                    </a:lnT>
+                    <a:lnB w="12700" cap="flat" cmpd="sng" algn="ctr">
+                      <a:solidFill>
+                        <a:schemeClr val="tx1"/>
+                      </a:solidFill>
+                      <a:prstDash val="solid"/>
+                      <a:round/>
+                      <a:headEnd type="none" w="med" len="med"/>
+                      <a:tailEnd type="none" w="med" len="med"/>
+                    </a:lnB>
+                    <a:lnTlToBr w="12700" cmpd="sng">
+                      <a:noFill/>
+                      <a:prstDash val="solid"/>
+                    </a:lnTlToBr>
+                    <a:lnBlToTr w="12700" cmpd="sng">
+                      <a:noFill/>
+                      <a:prstDash val="solid"/>
+                    </a:lnBlToTr>
+                  </a:tcPr>
                 </a:tc>
                 <a:tc>
                   <a:txBody>
@@ -5281,7 +5814,17 @@
                       </a:r>
                     </a:p>
                   </a:txBody>
-                  <a:tcPr/>
+                  <a:tcPr>
+                    <a:lnL w="12700" cap="flat" cmpd="sng" algn="ctr">
+                      <a:solidFill>
+                        <a:schemeClr val="tx1"/>
+                      </a:solidFill>
+                      <a:prstDash val="solid"/>
+                      <a:round/>
+                      <a:headEnd type="none" w="med" len="med"/>
+                      <a:tailEnd type="none" w="med" len="med"/>
+                    </a:lnL>
+                  </a:tcPr>
                 </a:tc>
                 <a:tc>
                   <a:txBody>
@@ -5311,39 +5854,6 @@
                           <a:cs typeface="Calibri" panose="020F0502020204030204" pitchFamily="34" charset="0"/>
                         </a:rPr>
                         <a:t>TICU* @ IMC</a:t>
-                      </a:r>
-                    </a:p>
-                  </a:txBody>
-                  <a:tcPr/>
-                </a:tc>
-                <a:tc>
-                  <a:txBody>
-                    <a:bodyPr/>
-                    <a:lstStyle/>
-                    <a:p>
-                      <a:pPr marL="342900" indent="-342900">
-                        <a:buFont typeface="Arial" panose="020B0604020202020204" pitchFamily="34" charset="0"/>
-                        <a:buChar char="•"/>
-                      </a:pPr>
-                      <a:r>
-                        <a:rPr lang="en-US" sz="2400" dirty="0">
-                          <a:latin typeface="Calibri" panose="020F0502020204030204" pitchFamily="34" charset="0"/>
-                          <a:cs typeface="Calibri" panose="020F0502020204030204" pitchFamily="34" charset="0"/>
-                        </a:rPr>
-                        <a:t>Call brain attack</a:t>
-                      </a:r>
-                    </a:p>
-                    <a:p>
-                      <a:pPr marL="342900" indent="-342900">
-                        <a:buFont typeface="Arial" panose="020B0604020202020204" pitchFamily="34" charset="0"/>
-                        <a:buChar char="•"/>
-                      </a:pPr>
-                      <a:r>
-                        <a:rPr lang="en-US" sz="2400" dirty="0">
-                          <a:latin typeface="Calibri" panose="020F0502020204030204" pitchFamily="34" charset="0"/>
-                          <a:cs typeface="Calibri" panose="020F0502020204030204" pitchFamily="34" charset="0"/>
-                        </a:rPr>
-                        <a:t>Transfer after-hours at VA</a:t>
                       </a:r>
                     </a:p>
                   </a:txBody>
@@ -5412,7 +5922,8 @@
           <a:p>
             <a:r>
               <a:rPr lang="en-US" dirty="0">
-                <a:latin typeface="Palatino Linotype" panose="02040502050505030304" pitchFamily="18" charset="0"/>
+                <a:latin typeface="Calibri" panose="020F0502020204030204" pitchFamily="34" charset="0"/>
+                <a:cs typeface="Calibri" panose="020F0502020204030204" pitchFamily="34" charset="0"/>
               </a:rPr>
               <a:t>Optimize the room for CPR </a:t>
             </a:r>
@@ -5471,7 +5982,7 @@
                 <a:latin typeface="Calibri" panose="020F0502020204030204" pitchFamily="34" charset="0"/>
                 <a:cs typeface="Calibri" panose="020F0502020204030204" pitchFamily="34" charset="0"/>
               </a:rPr>
-              <a:t>Rotate if insufficient space for compressors to move in and out.</a:t>
+              <a:t>Rotate if there is insufficient space for compressors to move in and out.</a:t>
             </a:r>
           </a:p>
           <a:p>
@@ -5613,7 +6124,7 @@
         </p:blipFill>
         <p:spPr bwMode="auto">
           <a:xfrm>
-            <a:off x="7877014" y="1176627"/>
+            <a:off x="7780569" y="915925"/>
             <a:ext cx="3991291" cy="2662093"/>
           </a:xfrm>
           <a:prstGeom prst="rect">
@@ -5631,6 +6142,64 @@
           </a:extLst>
         </p:spPr>
       </p:pic>
+      <p:sp>
+        <p:nvSpPr>
+          <p:cNvPr id="6" name="Bent Arrow 5">
+            <a:extLst>
+              <a:ext uri="{FF2B5EF4-FFF2-40B4-BE49-F238E27FC236}">
+                <a16:creationId xmlns:a16="http://schemas.microsoft.com/office/drawing/2014/main" id="{609B201C-AF3B-91C0-97DE-9833A730A354}"/>
+              </a:ext>
+            </a:extLst>
+          </p:cNvPr>
+          <p:cNvSpPr/>
+          <p:nvPr/>
+        </p:nvSpPr>
+        <p:spPr>
+          <a:xfrm rot="13469946" flipH="1">
+            <a:off x="8591752" y="2914355"/>
+            <a:ext cx="437492" cy="447390"/>
+          </a:xfrm>
+          <a:prstGeom prst="bentArrow">
+            <a:avLst/>
+          </a:prstGeom>
+          <a:solidFill>
+            <a:srgbClr val="FF0000"/>
+          </a:solidFill>
+          <a:ln>
+            <a:solidFill>
+              <a:srgbClr val="FF0000"/>
+            </a:solidFill>
+          </a:ln>
+        </p:spPr>
+        <p:style>
+          <a:lnRef idx="2">
+            <a:schemeClr val="accent1">
+              <a:shade val="15000"/>
+            </a:schemeClr>
+          </a:lnRef>
+          <a:fillRef idx="1">
+            <a:schemeClr val="accent1"/>
+          </a:fillRef>
+          <a:effectRef idx="0">
+            <a:schemeClr val="accent1"/>
+          </a:effectRef>
+          <a:fontRef idx="minor">
+            <a:schemeClr val="lt1"/>
+          </a:fontRef>
+        </p:style>
+        <p:txBody>
+          <a:bodyPr rtlCol="0" anchor="ctr"/>
+          <a:lstStyle/>
+          <a:p>
+            <a:pPr algn="ctr"/>
+            <a:endParaRPr lang="en-US">
+              <a:solidFill>
+                <a:schemeClr val="tx1"/>
+              </a:solidFill>
+            </a:endParaRPr>
+          </a:p>
+        </p:txBody>
+      </p:sp>
     </p:spTree>
     <p:extLst>
       <p:ext uri="{BB962C8B-B14F-4D97-AF65-F5344CB8AC3E}">
